--- a/raspberry-pi-report/RAGの検証_Gemma2_ChromaDB.pptx
+++ b/raspberry-pi-report/RAGの検証_Gemma2_ChromaDB.pptx
@@ -117,15 +117,6 @@
 </p:presentation>
 </file>
 
-<file path=ppt/revisionInfo.xml><?xml version="1.0" encoding="utf-8"?>
-<p1510:revInfo xmlns:a="http://schemas.openxmlformats.org/drawingml/2006/main" xmlns:r="http://schemas.openxmlformats.org/officeDocument/2006/relationships" xmlns:p1510="http://schemas.microsoft.com/office/powerpoint/2015/10/main">
-  <p1510:revLst>
-    <p1510:client id="{08F20566-51F3-49C8-9CDF-DEA9540ACD2F}" v="8" dt="2024-09-25T15:51:05.787"/>
-    <p1510:client id="{C43607F1-232B-44DB-B3B2-14DEC55E9315}" v="80" dt="2024-09-25T15:24:18.172"/>
-  </p1510:revLst>
-</p1510:revInfo>
-</file>
-
 <file path=ppt/changesInfos/changesInfo1.xml><?xml version="1.0" encoding="utf-8"?>
 <pc:chgInfo xmlns:a="http://schemas.openxmlformats.org/drawingml/2006/main" xmlns:r="http://schemas.openxmlformats.org/officeDocument/2006/relationships" xmlns:ac="http://schemas.microsoft.com/office/drawing/2013/main/command" xmlns:pc="http://schemas.microsoft.com/office/powerpoint/2013/main/command">
   <pc:docChgLst>
@@ -1697,6 +1688,30 @@
       </pc:sldChg>
     </pc:docChg>
   </pc:docChgLst>
+  <pc:docChgLst>
+    <pc:chgData name="Yoshiharu Hamaguchi" userId="470e288704938fe9" providerId="LiveId" clId="{BB707640-BCAD-4A3C-ADA2-8BDB0DCAA2EB}"/>
+    <pc:docChg chg="modSld">
+      <pc:chgData name="Yoshiharu Hamaguchi" userId="470e288704938fe9" providerId="LiveId" clId="{BB707640-BCAD-4A3C-ADA2-8BDB0DCAA2EB}" dt="2024-10-07T23:12:48.212" v="0" actId="15"/>
+      <pc:docMkLst>
+        <pc:docMk/>
+      </pc:docMkLst>
+      <pc:sldChg chg="modSp mod">
+        <pc:chgData name="Yoshiharu Hamaguchi" userId="470e288704938fe9" providerId="LiveId" clId="{BB707640-BCAD-4A3C-ADA2-8BDB0DCAA2EB}" dt="2024-10-07T23:12:48.212" v="0" actId="15"/>
+        <pc:sldMkLst>
+          <pc:docMk/>
+          <pc:sldMk cId="3365730422" sldId="264"/>
+        </pc:sldMkLst>
+        <pc:spChg chg="mod">
+          <ac:chgData name="Yoshiharu Hamaguchi" userId="470e288704938fe9" providerId="LiveId" clId="{BB707640-BCAD-4A3C-ADA2-8BDB0DCAA2EB}" dt="2024-10-07T23:12:48.212" v="0" actId="15"/>
+          <ac:spMkLst>
+            <pc:docMk/>
+            <pc:sldMk cId="3365730422" sldId="264"/>
+            <ac:spMk id="3" creationId="{37025C41-8921-578C-16F8-6B5CF0A93AE0}"/>
+          </ac:spMkLst>
+        </pc:spChg>
+      </pc:sldChg>
+    </pc:docChg>
+  </pc:docChgLst>
 </pc:chgInfo>
 </file>
 
@@ -1847,7 +1862,7 @@
           <a:p>
             <a:fld id="{9627246E-3903-4E01-B28D-BFF5567D65C3}" type="datetimeFigureOut">
               <a:rPr kumimoji="1" lang="ja-JP" altLang="en-US" smtClean="0"/>
-              <a:t>2024/9/26</a:t>
+              <a:t>2024/10/8</a:t>
             </a:fld>
             <a:endParaRPr kumimoji="1" lang="ja-JP" altLang="en-US"/>
           </a:p>
@@ -2077,7 +2092,7 @@
           <a:p>
             <a:fld id="{9627246E-3903-4E01-B28D-BFF5567D65C3}" type="datetimeFigureOut">
               <a:rPr kumimoji="1" lang="ja-JP" altLang="en-US" smtClean="0"/>
-              <a:t>2024/9/26</a:t>
+              <a:t>2024/10/8</a:t>
             </a:fld>
             <a:endParaRPr kumimoji="1" lang="ja-JP" altLang="en-US"/>
           </a:p>
@@ -2317,7 +2332,7 @@
           <a:p>
             <a:fld id="{9627246E-3903-4E01-B28D-BFF5567D65C3}" type="datetimeFigureOut">
               <a:rPr kumimoji="1" lang="ja-JP" altLang="en-US" smtClean="0"/>
-              <a:t>2024/9/26</a:t>
+              <a:t>2024/10/8</a:t>
             </a:fld>
             <a:endParaRPr kumimoji="1" lang="ja-JP" altLang="en-US"/>
           </a:p>
@@ -2547,7 +2562,7 @@
           <a:p>
             <a:fld id="{9627246E-3903-4E01-B28D-BFF5567D65C3}" type="datetimeFigureOut">
               <a:rPr kumimoji="1" lang="ja-JP" altLang="en-US" smtClean="0"/>
-              <a:t>2024/9/26</a:t>
+              <a:t>2024/10/8</a:t>
             </a:fld>
             <a:endParaRPr kumimoji="1" lang="ja-JP" altLang="en-US"/>
           </a:p>
@@ -2822,7 +2837,7 @@
           <a:p>
             <a:fld id="{9627246E-3903-4E01-B28D-BFF5567D65C3}" type="datetimeFigureOut">
               <a:rPr kumimoji="1" lang="ja-JP" altLang="en-US" smtClean="0"/>
-              <a:t>2024/9/26</a:t>
+              <a:t>2024/10/8</a:t>
             </a:fld>
             <a:endParaRPr kumimoji="1" lang="ja-JP" altLang="en-US"/>
           </a:p>
@@ -3151,7 +3166,7 @@
           <a:p>
             <a:fld id="{9627246E-3903-4E01-B28D-BFF5567D65C3}" type="datetimeFigureOut">
               <a:rPr kumimoji="1" lang="ja-JP" altLang="en-US" smtClean="0"/>
-              <a:t>2024/9/26</a:t>
+              <a:t>2024/10/8</a:t>
             </a:fld>
             <a:endParaRPr kumimoji="1" lang="ja-JP" altLang="en-US"/>
           </a:p>
@@ -3627,7 +3642,7 @@
           <a:p>
             <a:fld id="{9627246E-3903-4E01-B28D-BFF5567D65C3}" type="datetimeFigureOut">
               <a:rPr kumimoji="1" lang="ja-JP" altLang="en-US" smtClean="0"/>
-              <a:t>2024/9/26</a:t>
+              <a:t>2024/10/8</a:t>
             </a:fld>
             <a:endParaRPr kumimoji="1" lang="ja-JP" altLang="en-US"/>
           </a:p>
@@ -3768,7 +3783,7 @@
           <a:p>
             <a:fld id="{9627246E-3903-4E01-B28D-BFF5567D65C3}" type="datetimeFigureOut">
               <a:rPr kumimoji="1" lang="ja-JP" altLang="en-US" smtClean="0"/>
-              <a:t>2024/9/26</a:t>
+              <a:t>2024/10/8</a:t>
             </a:fld>
             <a:endParaRPr kumimoji="1" lang="ja-JP" altLang="en-US"/>
           </a:p>
@@ -3881,7 +3896,7 @@
           <a:p>
             <a:fld id="{9627246E-3903-4E01-B28D-BFF5567D65C3}" type="datetimeFigureOut">
               <a:rPr kumimoji="1" lang="ja-JP" altLang="en-US" smtClean="0"/>
-              <a:t>2024/9/26</a:t>
+              <a:t>2024/10/8</a:t>
             </a:fld>
             <a:endParaRPr kumimoji="1" lang="ja-JP" altLang="en-US"/>
           </a:p>
@@ -4224,7 +4239,7 @@
           <a:p>
             <a:fld id="{9627246E-3903-4E01-B28D-BFF5567D65C3}" type="datetimeFigureOut">
               <a:rPr kumimoji="1" lang="ja-JP" altLang="en-US" smtClean="0"/>
-              <a:t>2024/9/26</a:t>
+              <a:t>2024/10/8</a:t>
             </a:fld>
             <a:endParaRPr kumimoji="1" lang="ja-JP" altLang="en-US"/>
           </a:p>
@@ -4512,7 +4527,7 @@
           <a:p>
             <a:fld id="{9627246E-3903-4E01-B28D-BFF5567D65C3}" type="datetimeFigureOut">
               <a:rPr kumimoji="1" lang="ja-JP" altLang="en-US" smtClean="0"/>
-              <a:t>2024/9/26</a:t>
+              <a:t>2024/10/8</a:t>
             </a:fld>
             <a:endParaRPr kumimoji="1" lang="ja-JP" altLang="en-US"/>
           </a:p>
@@ -4785,7 +4800,7 @@
           <a:p>
             <a:fld id="{9627246E-3903-4E01-B28D-BFF5567D65C3}" type="datetimeFigureOut">
               <a:rPr kumimoji="1" lang="ja-JP" altLang="en-US" smtClean="0"/>
-              <a:t>2024/9/26</a:t>
+              <a:t>2024/10/8</a:t>
             </a:fld>
             <a:endParaRPr kumimoji="1" lang="ja-JP" altLang="en-US"/>
           </a:p>
@@ -8514,32 +8529,20 @@
           </a:bodyPr>
           <a:lstStyle/>
           <a:p>
-            <a:pPr marL="0" indent="0">
+            <a:pPr marL="457200" lvl="1" indent="0">
               <a:buNone/>
             </a:pPr>
-            <a:r>
-              <a:rPr lang="en-US" altLang="ja-JP">
-                <a:hlinkClick r:id="rId2"/>
-              </a:rPr>
-              <a:t>(1</a:t>
-            </a:r>
             <a:r>
               <a:rPr lang="en-US" altLang="ja-JP" dirty="0">
                 <a:hlinkClick r:id="rId2"/>
               </a:rPr>
-              <a:t>)</a:t>
-            </a:r>
-            <a:r>
-              <a:rPr lang="ja-JP" altLang="en-US">
-                <a:hlinkClick r:id="rId2"/>
-              </a:rPr>
-              <a:t> </a:t>
+              <a:t>(1)</a:t>
             </a:r>
             <a:r>
               <a:rPr lang="ja-JP" altLang="en-US" dirty="0">
                 <a:hlinkClick r:id="rId2"/>
               </a:rPr>
-              <a:t>🦜️🔗 </a:t>
+              <a:t> 🦜️🔗 </a:t>
             </a:r>
             <a:r>
               <a:rPr lang="en-US" altLang="ja-JP" dirty="0" err="1">
